--- a/Presentation.pptx
+++ b/Presentation.pptx
@@ -7405,8 +7405,8 @@
     <dgm:cxn modelId="{1620D038-0240-4885-BFF9-CDA6D4C6D84F}" type="presOf" srcId="{57E2BA4A-1D3B-4D11-A518-52FCD08B8C9A}" destId="{47A1DF59-5BC5-4312-8346-50C6A4B9CF44}" srcOrd="0" destOrd="0" presId="urn:microsoft.com/office/officeart/2018/5/layout/IconCircleLabelList"/>
     <dgm:cxn modelId="{77518242-77B5-4601-A419-4413F37065BD}" type="presOf" srcId="{F68C8595-DDD2-4E6A-B38C-F0C3BFFD666B}" destId="{CEDD0811-28D4-4388-9C36-FC86F22852A3}" srcOrd="0" destOrd="0" presId="urn:microsoft.com/office/officeart/2018/5/layout/IconCircleLabelList"/>
     <dgm:cxn modelId="{7266D943-C8A4-4433-B354-04CB5D3F9750}" type="presOf" srcId="{A9CFA3D4-C69D-4989-96E9-DA6FDBFD9E8E}" destId="{5A1CE56D-3A04-4A1B-B624-E244E96A1501}" srcOrd="0" destOrd="0" presId="urn:microsoft.com/office/officeart/2018/5/layout/IconCircleLabelList"/>
+    <dgm:cxn modelId="{1BA9AB57-4442-4931-A47B-ACDF6CC40FA6}" srcId="{C34854E7-C4C7-45C9-B8AC-DD6798D26D0C}" destId="{F68C8595-DDD2-4E6A-B38C-F0C3BFFD666B}" srcOrd="0" destOrd="0" parTransId="{D809CDAB-4C54-43AF-B930-539A4F28A8C5}" sibTransId="{8E3E3693-431A-4DE1-A2A2-401F11D0A672}"/>
     <dgm:cxn modelId="{D0C9096F-04DA-4BB0-8A13-FE0D4A0932DE}" type="presOf" srcId="{4F1961FA-B49D-46ED-8489-0F646183EEFC}" destId="{3031311E-CFB0-4D43-BBAB-37522E3D172C}" srcOrd="0" destOrd="0" presId="urn:microsoft.com/office/officeart/2018/5/layout/IconCircleLabelList"/>
-    <dgm:cxn modelId="{1BA9AB57-4442-4931-A47B-ACDF6CC40FA6}" srcId="{C34854E7-C4C7-45C9-B8AC-DD6798D26D0C}" destId="{F68C8595-DDD2-4E6A-B38C-F0C3BFFD666B}" srcOrd="0" destOrd="0" parTransId="{D809CDAB-4C54-43AF-B930-539A4F28A8C5}" sibTransId="{8E3E3693-431A-4DE1-A2A2-401F11D0A672}"/>
     <dgm:cxn modelId="{77A8A299-C99C-4C91-A264-0E00640C7D4C}" type="presOf" srcId="{3BD7AD85-2948-4B82-AF58-6945A14D4BB2}" destId="{1FF0467E-3F69-449D-88AF-7E5BCC3B8585}" srcOrd="0" destOrd="0" presId="urn:microsoft.com/office/officeart/2018/5/layout/IconCircleLabelList"/>
     <dgm:cxn modelId="{C1580E9E-573C-4FE6-9613-165DD6690CF0}" srcId="{C34854E7-C4C7-45C9-B8AC-DD6798D26D0C}" destId="{4F1961FA-B49D-46ED-8489-0F646183EEFC}" srcOrd="3" destOrd="0" parTransId="{F257B825-E010-4CCE-9042-1D254F9F6A9A}" sibTransId="{62216502-5762-4C0B-84D1-0983848C6B9B}"/>
     <dgm:cxn modelId="{115FDBB2-FF71-4E7C-AB9B-750A3DCACE82}" type="presOf" srcId="{C34854E7-C4C7-45C9-B8AC-DD6798D26D0C}" destId="{D0E6F0DE-4C98-478A-8137-54C1F78CC6AD}" srcOrd="0" destOrd="0" presId="urn:microsoft.com/office/officeart/2018/5/layout/IconCircleLabelList"/>
@@ -9374,8 +9374,8 @@
   </dgm:ptLst>
   <dgm:cxnLst>
     <dgm:cxn modelId="{FA976952-8EE8-441C-B212-096CBF3127A1}" type="presOf" srcId="{C34854E7-C4C7-45C9-B8AC-DD6798D26D0C}" destId="{E874CA17-9269-46F6-B8B2-997407A16926}" srcOrd="0" destOrd="0" presId="urn:microsoft.com/office/officeart/2018/2/layout/IconLabelList"/>
+    <dgm:cxn modelId="{1BA9AB57-4442-4931-A47B-ACDF6CC40FA6}" srcId="{C34854E7-C4C7-45C9-B8AC-DD6798D26D0C}" destId="{F68C8595-DDD2-4E6A-B38C-F0C3BFFD666B}" srcOrd="0" destOrd="0" parTransId="{D809CDAB-4C54-43AF-B930-539A4F28A8C5}" sibTransId="{8E3E3693-431A-4DE1-A2A2-401F11D0A672}"/>
     <dgm:cxn modelId="{CD79EB75-4A3C-4FAA-8584-E4BB659D0D8F}" srcId="{C34854E7-C4C7-45C9-B8AC-DD6798D26D0C}" destId="{37A40EA9-EFC7-490C-8B87-8A3E54D6DE88}" srcOrd="1" destOrd="0" parTransId="{45DA88C3-FDC0-4814-A7FB-994360D5C684}" sibTransId="{14BB96EB-6DB4-403A-A9D0-A040A5B5A4AC}"/>
-    <dgm:cxn modelId="{1BA9AB57-4442-4931-A47B-ACDF6CC40FA6}" srcId="{C34854E7-C4C7-45C9-B8AC-DD6798D26D0C}" destId="{F68C8595-DDD2-4E6A-B38C-F0C3BFFD666B}" srcOrd="0" destOrd="0" parTransId="{D809CDAB-4C54-43AF-B930-539A4F28A8C5}" sibTransId="{8E3E3693-431A-4DE1-A2A2-401F11D0A672}"/>
     <dgm:cxn modelId="{FAA0717C-893D-4276-A024-32DA6FF66B6F}" type="presOf" srcId="{F68C8595-DDD2-4E6A-B38C-F0C3BFFD666B}" destId="{6ADDCB31-0513-4672-84B7-9A0CC4BC3BD8}" srcOrd="0" destOrd="0" presId="urn:microsoft.com/office/officeart/2018/2/layout/IconLabelList"/>
     <dgm:cxn modelId="{67893D88-3F94-4D60-B628-03032B26D745}" type="presOf" srcId="{3BD7AD85-2948-4B82-AF58-6945A14D4BB2}" destId="{24091829-5A41-4ED5-A1E3-37DF13846797}" srcOrd="0" destOrd="0" presId="urn:microsoft.com/office/officeart/2018/2/layout/IconLabelList"/>
     <dgm:cxn modelId="{57000B9D-6116-4D76-B9C3-87DE4C2E699A}" type="presOf" srcId="{37A40EA9-EFC7-490C-8B87-8A3E54D6DE88}" destId="{73464BDD-4C51-4D8B-85B4-5DBCA68A1AAB}" srcOrd="0" destOrd="0" presId="urn:microsoft.com/office/officeart/2018/2/layout/IconLabelList"/>
@@ -9470,7 +9470,7 @@
               </a:solidFill>
               <a:latin typeface="Century Gothic" panose="020B0502020202020204" pitchFamily="34" charset="0"/>
             </a:rPr>
-            <a:t>Surpassed other models with a high overall accuracy score of 86% making it more reliable for sentiment analysis tasks.</a:t>
+            <a:t>Surpassed other models with a high overall accuracy score of 88% making it more reliable for sentiment analysis tasks.</a:t>
           </a:r>
           <a:endParaRPr lang="en-US" sz="1300" b="1" dirty="0">
             <a:solidFill>
@@ -9577,7 +9577,7 @@
               </a:solidFill>
               <a:latin typeface="Century Gothic" panose="020B0502020202020204" pitchFamily="34" charset="0"/>
             </a:rPr>
-            <a:t>Strong across all classes, especially in the negative class (F1: 0.94), with improvements in neutral and positive sentiment detection.</a:t>
+            <a:t>Strong across all classes, especially in the negative class (F1: 0.96), with improvements in neutral and positive sentiment detection.</a:t>
           </a:r>
           <a:endParaRPr lang="en-US" sz="1300" b="1" dirty="0">
             <a:solidFill>
@@ -10021,10 +10021,10 @@
     <dgm:cxn modelId="{86F1F51B-6C95-4B94-973D-7918125DC0C1}" type="presOf" srcId="{D2E62534-CBD6-4A7B-9B93-1B1231B765B3}" destId="{5CE5FFC0-31A5-416D-BC07-FA9D8C46F377}" srcOrd="0" destOrd="0" presId="urn:microsoft.com/office/officeart/2016/7/layout/BasicLinearProcessNumbered"/>
     <dgm:cxn modelId="{50E3C221-A267-4B9C-8439-B30435965C29}" type="presOf" srcId="{875F54FB-F6AE-4FB6-8834-5EEB35F3D6FE}" destId="{A90A7C78-9E7F-4907-9377-89390432DBD4}" srcOrd="1" destOrd="0" presId="urn:microsoft.com/office/officeart/2016/7/layout/BasicLinearProcessNumbered"/>
     <dgm:cxn modelId="{0EE1A53B-22BA-453C-996E-F32F9529EA00}" srcId="{4296BDB4-50F7-488B-96CF-E64676DB7F47}" destId="{8B89AE7F-FAF4-4BE7-8FF0-9D5265EE072B}" srcOrd="1" destOrd="0" parTransId="{27AA49E4-C562-416A-8636-E8F27968A9B6}" sibTransId="{E7074667-FEF2-4A3C-B218-8A50DD446323}"/>
+    <dgm:cxn modelId="{E897994C-65E8-492B-A617-1181E6D744FE}" type="presOf" srcId="{875F54FB-F6AE-4FB6-8834-5EEB35F3D6FE}" destId="{1995B3E3-BCA1-4997-9E72-B94CDD538FAB}" srcOrd="0" destOrd="0" presId="urn:microsoft.com/office/officeart/2016/7/layout/BasicLinearProcessNumbered"/>
     <dgm:cxn modelId="{2598EF5E-A515-4258-B3FB-65FCB46D251F}" type="presOf" srcId="{9BA3E5D6-1CBA-4AF5-84D5-E31FCCB7D517}" destId="{2F8C9DA6-E793-40D5-9AA8-8B96FDEB6CAA}" srcOrd="0" destOrd="0" presId="urn:microsoft.com/office/officeart/2016/7/layout/BasicLinearProcessNumbered"/>
     <dgm:cxn modelId="{E9551465-824C-4215-933D-BBB32EB55DA7}" type="presOf" srcId="{03861C9B-8C78-4BE8-888F-1EF630B76471}" destId="{463BB820-6795-4ADB-835F-78494ED65E51}" srcOrd="0" destOrd="0" presId="urn:microsoft.com/office/officeart/2016/7/layout/BasicLinearProcessNumbered"/>
     <dgm:cxn modelId="{120C1067-1548-4115-8F41-1E72F2995930}" type="presOf" srcId="{AC41E99E-2C22-4CA3-9DEC-8FBE17B7BC82}" destId="{A0161220-1AD1-485C-B1BC-4B26286AD24A}" srcOrd="1" destOrd="0" presId="urn:microsoft.com/office/officeart/2016/7/layout/BasicLinearProcessNumbered"/>
-    <dgm:cxn modelId="{E897994C-65E8-492B-A617-1181E6D744FE}" type="presOf" srcId="{875F54FB-F6AE-4FB6-8834-5EEB35F3D6FE}" destId="{1995B3E3-BCA1-4997-9E72-B94CDD538FAB}" srcOrd="0" destOrd="0" presId="urn:microsoft.com/office/officeart/2016/7/layout/BasicLinearProcessNumbered"/>
     <dgm:cxn modelId="{51A4E97C-C9B8-4881-9839-B8A63BA8FEA6}" srcId="{4296BDB4-50F7-488B-96CF-E64676DB7F47}" destId="{875F54FB-F6AE-4FB6-8834-5EEB35F3D6FE}" srcOrd="2" destOrd="0" parTransId="{BCA4A125-FB2E-4D4E-99CF-104AC0C4C53B}" sibTransId="{03861C9B-8C78-4BE8-888F-1EF630B76471}"/>
     <dgm:cxn modelId="{78403A85-2220-4798-B49E-4A3C34CA23E1}" type="presOf" srcId="{E7074667-FEF2-4A3C-B218-8A50DD446323}" destId="{DC9891C8-9BE5-4F8F-AF37-F17828D372BE}" srcOrd="0" destOrd="0" presId="urn:microsoft.com/office/officeart/2016/7/layout/BasicLinearProcessNumbered"/>
     <dgm:cxn modelId="{04D81BD4-BAF7-4CFC-8D26-C3E87B746704}" type="presOf" srcId="{4296BDB4-50F7-488B-96CF-E64676DB7F47}" destId="{49E59A4A-8E51-4BDD-8B00-AAFE826AF45B}" srcOrd="0" destOrd="0" presId="urn:microsoft.com/office/officeart/2016/7/layout/BasicLinearProcessNumbered"/>
@@ -10128,7 +10128,9 @@
           <a:r>
             <a:rPr lang="en-US" sz="1200" b="1" i="0" dirty="0">
               <a:solidFill>
-                <a:srgbClr val="27E527"/>
+                <a:schemeClr val="bg1">
+                  <a:lumMod val="50000"/>
+                </a:schemeClr>
               </a:solidFill>
               <a:latin typeface="Century Gothic" panose="020B0502020202020204" pitchFamily="34" charset="0"/>
             </a:rPr>
@@ -10205,7 +10207,9 @@
           <a:r>
             <a:rPr lang="en-US" sz="1200" b="1" dirty="0">
               <a:solidFill>
-                <a:srgbClr val="27E527"/>
+                <a:schemeClr val="bg1">
+                  <a:lumMod val="50000"/>
+                </a:schemeClr>
               </a:solidFill>
               <a:latin typeface="Century Gothic" panose="020B0502020202020204" pitchFamily="34" charset="0"/>
             </a:rPr>
@@ -10266,7 +10270,9 @@
           <a:r>
             <a:rPr lang="en-US" sz="1200" b="1" dirty="0">
               <a:solidFill>
-                <a:srgbClr val="27E527"/>
+                <a:schemeClr val="bg1">
+                  <a:lumMod val="50000"/>
+                </a:schemeClr>
               </a:solidFill>
               <a:latin typeface="Century Gothic" panose="020B0502020202020204" pitchFamily="34" charset="0"/>
             </a:rPr>
@@ -10327,24 +10333,14 @@
           <a:r>
             <a:rPr lang="en-US" sz="1200" b="1" dirty="0">
               <a:solidFill>
-                <a:srgbClr val="27E527"/>
+                <a:schemeClr val="bg1">
+                  <a:lumMod val="50000"/>
+                </a:schemeClr>
               </a:solidFill>
               <a:latin typeface="Century Gothic" panose="020B0502020202020204" pitchFamily="34" charset="0"/>
             </a:rPr>
-            <a:t>Tailored Marketing Campaigns; develop targeted marketing strategies for different sentiment groups</a:t>
+            <a:t>Tailored Marketing Campaigns; develop targeted marketing strategies for different sentiment groups.</a:t>
           </a:r>
-          <a:r>
-            <a:rPr lang="en-US" sz="1200" b="1" dirty="0">
-              <a:latin typeface="Century Gothic" panose="020B0502020202020204" pitchFamily="34" charset="0"/>
-            </a:rPr>
-            <a:t>.</a:t>
-          </a:r>
-          <a:endParaRPr lang="en-US" sz="1200" b="1" dirty="0">
-            <a:solidFill>
-              <a:srgbClr val="27E527"/>
-            </a:solidFill>
-            <a:latin typeface="Century Gothic" panose="020B0502020202020204" pitchFamily="34" charset="0"/>
-          </a:endParaRPr>
         </a:p>
       </dgm:t>
     </dgm:pt>
@@ -10400,7 +10396,9 @@
           <a:r>
             <a:rPr lang="en-US" sz="1200" b="1" dirty="0">
               <a:solidFill>
-                <a:srgbClr val="27E527"/>
+                <a:schemeClr val="bg1">
+                  <a:lumMod val="50000"/>
+                </a:schemeClr>
               </a:solidFill>
               <a:latin typeface="Century Gothic" panose="020B0502020202020204" pitchFamily="34" charset="0"/>
             </a:rPr>
@@ -14657,7 +14655,7 @@
               </a:solidFill>
               <a:latin typeface="Century Gothic" panose="020B0502020202020204" pitchFamily="34" charset="0"/>
             </a:rPr>
-            <a:t>Surpassed other models with a high overall accuracy score of 86% making it more reliable for sentiment analysis tasks.</a:t>
+            <a:t>Surpassed other models with a high overall accuracy score of 88% making it more reliable for sentiment analysis tasks.</a:t>
           </a:r>
           <a:endParaRPr lang="en-US" sz="1300" b="1" kern="1200" dirty="0">
             <a:solidFill>
@@ -14892,7 +14890,7 @@
               </a:solidFill>
               <a:latin typeface="Century Gothic" panose="020B0502020202020204" pitchFamily="34" charset="0"/>
             </a:rPr>
-            <a:t>Strong across all classes, especially in the negative class (F1: 0.94), with improvements in neutral and positive sentiment detection.</a:t>
+            <a:t>Strong across all classes, especially in the negative class (F1: 0.96), with improvements in neutral and positive sentiment detection.</a:t>
           </a:r>
           <a:endParaRPr lang="en-US" sz="1300" b="1" kern="1200" dirty="0">
             <a:solidFill>
@@ -15729,7 +15727,9 @@
           <a:r>
             <a:rPr lang="en-US" sz="1200" b="1" i="0" kern="1200" dirty="0">
               <a:solidFill>
-                <a:srgbClr val="27E527"/>
+                <a:schemeClr val="bg1">
+                  <a:lumMod val="50000"/>
+                </a:schemeClr>
               </a:solidFill>
               <a:latin typeface="Century Gothic" panose="020B0502020202020204" pitchFamily="34" charset="0"/>
             </a:rPr>
@@ -15924,7 +15924,9 @@
           <a:r>
             <a:rPr lang="en-US" sz="1200" b="1" kern="1200" dirty="0">
               <a:solidFill>
-                <a:srgbClr val="27E527"/>
+                <a:schemeClr val="bg1">
+                  <a:lumMod val="50000"/>
+                </a:schemeClr>
               </a:solidFill>
               <a:latin typeface="Century Gothic" panose="020B0502020202020204" pitchFamily="34" charset="0"/>
             </a:rPr>
@@ -16096,7 +16098,9 @@
           <a:r>
             <a:rPr lang="en-US" sz="1200" b="1" kern="1200" dirty="0">
               <a:solidFill>
-                <a:srgbClr val="27E527"/>
+                <a:schemeClr val="bg1">
+                  <a:lumMod val="50000"/>
+                </a:schemeClr>
               </a:solidFill>
               <a:latin typeface="Century Gothic" panose="020B0502020202020204" pitchFamily="34" charset="0"/>
             </a:rPr>
@@ -16268,24 +16272,14 @@
           <a:r>
             <a:rPr lang="en-US" sz="1200" b="1" kern="1200" dirty="0">
               <a:solidFill>
-                <a:srgbClr val="27E527"/>
+                <a:schemeClr val="bg1">
+                  <a:lumMod val="50000"/>
+                </a:schemeClr>
               </a:solidFill>
               <a:latin typeface="Century Gothic" panose="020B0502020202020204" pitchFamily="34" charset="0"/>
             </a:rPr>
-            <a:t>Tailored Marketing Campaigns; develop targeted marketing strategies for different sentiment groups</a:t>
+            <a:t>Tailored Marketing Campaigns; develop targeted marketing strategies for different sentiment groups.</a:t>
           </a:r>
-          <a:r>
-            <a:rPr lang="en-US" sz="1200" b="1" kern="1200" dirty="0">
-              <a:latin typeface="Century Gothic" panose="020B0502020202020204" pitchFamily="34" charset="0"/>
-            </a:rPr>
-            <a:t>.</a:t>
-          </a:r>
-          <a:endParaRPr lang="en-US" sz="1200" b="1" kern="1200" dirty="0">
-            <a:solidFill>
-              <a:srgbClr val="27E527"/>
-            </a:solidFill>
-            <a:latin typeface="Century Gothic" panose="020B0502020202020204" pitchFamily="34" charset="0"/>
-          </a:endParaRPr>
         </a:p>
       </dsp:txBody>
       <dsp:txXfrm>
@@ -16452,7 +16446,9 @@
           <a:r>
             <a:rPr lang="en-US" sz="1200" b="1" kern="1200" dirty="0">
               <a:solidFill>
-                <a:srgbClr val="27E527"/>
+                <a:schemeClr val="bg1">
+                  <a:lumMod val="50000"/>
+                </a:schemeClr>
               </a:solidFill>
               <a:latin typeface="Century Gothic" panose="020B0502020202020204" pitchFamily="34" charset="0"/>
             </a:rPr>
@@ -28369,7 +28365,7 @@
           <a:p>
             <a:fld id="{C8D18E60-4300-4729-A0D7-6AB984C3922D}" type="datetimeFigureOut">
               <a:rPr lang="en-US" smtClean="0"/>
-              <a:t>10/12/2024</a:t>
+              <a:t>10/13/24</a:t>
             </a:fld>
             <a:endParaRPr lang="en-US" dirty="0"/>
           </a:p>
@@ -28857,7 +28853,7 @@
             <a:fld id="{53074F12-AA26-4AC8-9962-C36BB8F32554}" type="datetimeFigureOut">
               <a:rPr lang="en-US" smtClean="0"/>
               <a:pPr/>
-              <a:t>10/12/2024</a:t>
+              <a:t>10/13/24</a:t>
             </a:fld>
             <a:endParaRPr lang="en-US" dirty="0"/>
           </a:p>
@@ -29111,7 +29107,7 @@
             <a:fld id="{53074F12-AA26-4AC8-9962-C36BB8F32554}" type="datetimeFigureOut">
               <a:rPr lang="en-US" smtClean="0"/>
               <a:pPr/>
-              <a:t>10/12/2024</a:t>
+              <a:t>10/13/24</a:t>
             </a:fld>
             <a:endParaRPr lang="en-US" dirty="0"/>
           </a:p>
@@ -29281,7 +29277,7 @@
             <a:fld id="{53074F12-AA26-4AC8-9962-C36BB8F32554}" type="datetimeFigureOut">
               <a:rPr lang="en-US" smtClean="0"/>
               <a:pPr/>
-              <a:t>10/12/2024</a:t>
+              <a:t>10/13/24</a:t>
             </a:fld>
             <a:endParaRPr lang="en-US" dirty="0"/>
           </a:p>
@@ -29461,7 +29457,7 @@
             <a:fld id="{53074F12-AA26-4AC8-9962-C36BB8F32554}" type="datetimeFigureOut">
               <a:rPr lang="en-US" smtClean="0"/>
               <a:pPr/>
-              <a:t>10/12/2024</a:t>
+              <a:t>10/13/24</a:t>
             </a:fld>
             <a:endParaRPr lang="en-US" dirty="0"/>
           </a:p>
@@ -29709,7 +29705,7 @@
             <a:fld id="{53074F12-AA26-4AC8-9962-C36BB8F32554}" type="datetimeFigureOut">
               <a:rPr lang="en-US" smtClean="0"/>
               <a:pPr/>
-              <a:t>10/12/2024</a:t>
+              <a:t>10/13/24</a:t>
             </a:fld>
             <a:endParaRPr lang="en-US" dirty="0"/>
           </a:p>
@@ -30006,7 +30002,7 @@
             <a:fld id="{53074F12-AA26-4AC8-9962-C36BB8F32554}" type="datetimeFigureOut">
               <a:rPr lang="en-US" smtClean="0"/>
               <a:pPr/>
-              <a:t>10/12/2024</a:t>
+              <a:t>10/13/24</a:t>
             </a:fld>
             <a:endParaRPr lang="en-US" dirty="0"/>
           </a:p>
@@ -30253,7 +30249,7 @@
             <a:fld id="{53074F12-AA26-4AC8-9962-C36BB8F32554}" type="datetimeFigureOut">
               <a:rPr lang="en-US" smtClean="0"/>
               <a:pPr/>
-              <a:t>10/12/2024</a:t>
+              <a:t>10/13/24</a:t>
             </a:fld>
             <a:endParaRPr lang="en-US" dirty="0"/>
           </a:p>
@@ -30540,7 +30536,7 @@
             <a:fld id="{53074F12-AA26-4AC8-9962-C36BB8F32554}" type="datetimeFigureOut">
               <a:rPr lang="en-US" smtClean="0"/>
               <a:pPr/>
-              <a:t>10/12/2024</a:t>
+              <a:t>10/13/24</a:t>
             </a:fld>
             <a:endParaRPr lang="en-US" dirty="0"/>
           </a:p>
@@ -31007,7 +31003,7 @@
             <a:fld id="{53074F12-AA26-4AC8-9962-C36BB8F32554}" type="datetimeFigureOut">
               <a:rPr lang="en-US" smtClean="0"/>
               <a:pPr/>
-              <a:t>10/12/2024</a:t>
+              <a:t>10/13/24</a:t>
             </a:fld>
             <a:endParaRPr lang="en-US" dirty="0"/>
           </a:p>
@@ -31176,7 +31172,7 @@
             <a:fld id="{53074F12-AA26-4AC8-9962-C36BB8F32554}" type="datetimeFigureOut">
               <a:rPr lang="en-US" smtClean="0"/>
               <a:pPr/>
-              <a:t>10/12/2024</a:t>
+              <a:t>10/13/24</a:t>
             </a:fld>
             <a:endParaRPr lang="en-US" dirty="0"/>
           </a:p>
@@ -31273,7 +31269,7 @@
             <a:fld id="{53074F12-AA26-4AC8-9962-C36BB8F32554}" type="datetimeFigureOut">
               <a:rPr lang="en-US" smtClean="0"/>
               <a:pPr/>
-              <a:t>10/12/2024</a:t>
+              <a:t>10/13/24</a:t>
             </a:fld>
             <a:endParaRPr lang="en-US" dirty="0"/>
           </a:p>
@@ -31550,7 +31546,7 @@
             <a:fld id="{53074F12-AA26-4AC8-9962-C36BB8F32554}" type="datetimeFigureOut">
               <a:rPr lang="en-US" smtClean="0"/>
               <a:pPr/>
-              <a:t>10/12/2024</a:t>
+              <a:t>10/13/24</a:t>
             </a:fld>
             <a:endParaRPr lang="en-US" dirty="0"/>
           </a:p>
@@ -31772,7 +31768,7 @@
             <a:fld id="{53074F12-AA26-4AC8-9962-C36BB8F32554}" type="datetimeFigureOut">
               <a:rPr lang="en-US" smtClean="0"/>
               <a:pPr/>
-              <a:t>10/12/2024</a:t>
+              <a:t>10/13/24</a:t>
             </a:fld>
             <a:endParaRPr lang="en-US" dirty="0"/>
           </a:p>
@@ -32212,24 +32208,37 @@
             <p:ph type="ctrTitle"/>
           </p:nvPr>
         </p:nvSpPr>
-        <p:spPr/>
+        <p:spPr>
+          <a:xfrm>
+            <a:off x="5335525" y="214883"/>
+            <a:ext cx="3512214" cy="1374345"/>
+          </a:xfrm>
+          <a:effectLst/>
+        </p:spPr>
         <p:txBody>
           <a:bodyPr>
-            <a:normAutofit/>
+            <a:noAutofit/>
           </a:bodyPr>
           <a:lstStyle/>
           <a:p>
             <a:r>
-              <a:rPr lang="en-US" sz="3000" b="1" i="1" dirty="0">
+              <a:rPr lang="en-US" sz="2000" b="1" dirty="0">
                 <a:solidFill>
-                  <a:srgbClr val="66FF99"/>
+                  <a:schemeClr val="tx2">
+                    <a:lumMod val="50000"/>
+                  </a:schemeClr>
                 </a:solidFill>
-                <a:highlight>
-                  <a:srgbClr val="000000"/>
-                </a:highlight>
-                <a:latin typeface="Century Gothic" panose="020B0502020202020204" pitchFamily="34" charset="0"/>
+                <a:effectLst>
+                  <a:glow rad="38100">
+                    <a:schemeClr val="bg1">
+                      <a:alpha val="63000"/>
+                    </a:schemeClr>
+                  </a:glow>
+                </a:effectLst>
+                <a:latin typeface="Arial Black" panose="020B0604020202020204" pitchFamily="34" charset="0"/>
+                <a:cs typeface="Arial Black" panose="020B0604020202020204" pitchFamily="34" charset="0"/>
               </a:rPr>
-              <a:t>Sentiment Analysis of Customer Tweets: Uncovering Competitive Insights for Google and Apple Products</a:t>
+              <a:t>SENTIMENT ANALYSIS OF CUSTOMER TWEETS FOR GOOGLE AND APPLE PRODUCTS</a:t>
             </a:r>
           </a:p>
         </p:txBody>
@@ -32245,6 +32254,10 @@
           </p:nvPr>
         </p:nvSpPr>
         <p:spPr>
+          <a:xfrm>
+            <a:off x="6260180" y="1574448"/>
+            <a:ext cx="2587559" cy="691892"/>
+          </a:xfrm>
           <a:ln>
             <a:noFill/>
           </a:ln>
@@ -32461,7 +32474,7 @@
         </p:nvPicPr>
         <p:blipFill>
           <a:blip r:embed="rId2">
-            <a:alphaModFix amt="60000"/>
+            <a:alphaModFix amt="50000"/>
           </a:blip>
           <a:srcRect l="14079" r="6335" b="-1"/>
           <a:stretch/>
@@ -32474,6 +32487,7 @@
           <a:prstGeom prst="rect">
             <a:avLst/>
           </a:prstGeom>
+          <a:effectLst/>
         </p:spPr>
       </p:pic>
       <p:sp>
@@ -32500,7 +32514,7 @@
         </p:spPr>
         <p:txBody>
           <a:bodyPr vert="horz" lIns="91440" tIns="45720" rIns="91440" bIns="45720" rtlCol="0" anchor="b">
-            <a:normAutofit fontScale="90000"/>
+            <a:noAutofit/>
           </a:bodyPr>
           <a:lstStyle/>
           <a:p>
@@ -32511,13 +32525,8 @@
             </a:pPr>
             <a:r>
               <a:rPr lang="en-US" sz="3000" b="1" dirty="0">
-                <a:solidFill>
-                  <a:srgbClr val="27E527"/>
-                </a:solidFill>
-                <a:highlight>
-                  <a:srgbClr val="000000"/>
-                </a:highlight>
-                <a:latin typeface="Century Gothic" panose="020B0502020202020204" pitchFamily="34" charset="0"/>
+                <a:latin typeface="Arial" panose="020B0604020202020204" pitchFamily="34" charset="0"/>
+                <a:cs typeface="Arial" panose="020B0604020202020204" pitchFamily="34" charset="0"/>
               </a:rPr>
               <a:t>CONCLUSION</a:t>
             </a:r>
@@ -32526,74 +32535,64 @@
       </p:sp>
       <p:sp>
         <p:nvSpPr>
-          <p:cNvPr id="11" name="Content Placeholder 10">
+          <p:cNvPr id="2" name="TextBox 1">
             <a:extLst>
               <a:ext uri="{FF2B5EF4-FFF2-40B4-BE49-F238E27FC236}">
-                <a16:creationId xmlns:a16="http://schemas.microsoft.com/office/drawing/2014/main" id="{3CF6BF55-0C07-1FD7-8EB0-9B69C441EDF6}"/>
+                <a16:creationId xmlns:a16="http://schemas.microsoft.com/office/drawing/2014/main" id="{2FB3F7E7-2BCA-5FBC-2C5D-E4015D95D136}"/>
               </a:ext>
             </a:extLst>
           </p:cNvPr>
-          <p:cNvSpPr>
-            <a:spLocks noGrp="1"/>
-          </p:cNvSpPr>
-          <p:nvPr>
-            <p:ph sz="half" idx="2"/>
-          </p:nvPr>
+          <p:cNvSpPr txBox="1"/>
+          <p:nvPr/>
         </p:nvSpPr>
         <p:spPr>
           <a:xfrm>
-            <a:off x="628650" y="1197405"/>
-            <a:ext cx="7623913" cy="3206805"/>
+            <a:off x="899902" y="1350110"/>
+            <a:ext cx="7339386" cy="2834622"/>
           </a:xfrm>
-          <a:ln>
-            <a:noFill/>
+          <a:prstGeom prst="rect">
+            <a:avLst/>
+          </a:prstGeom>
+          <a:solidFill>
+            <a:schemeClr val="bg1">
+              <a:lumMod val="50000"/>
+              <a:alpha val="88000"/>
+            </a:schemeClr>
+          </a:solidFill>
+          <a:ln w="15875">
+            <a:solidFill>
+              <a:schemeClr val="bg1">
+                <a:lumMod val="95000"/>
+              </a:schemeClr>
+            </a:solidFill>
           </a:ln>
-          <a:effectLst>
-            <a:outerShdw blurRad="107950" dist="12700" dir="5400000" algn="ctr">
-              <a:srgbClr val="000000"/>
-            </a:outerShdw>
-          </a:effectLst>
-          <a:scene3d>
-            <a:camera prst="orthographicFront">
-              <a:rot lat="0" lon="0" rev="0"/>
-            </a:camera>
-            <a:lightRig rig="soft" dir="t">
-              <a:rot lat="0" lon="0" rev="0"/>
-            </a:lightRig>
-          </a:scene3d>
-          <a:sp3d contourW="44450" prstMaterial="matte">
-            <a:bevelT w="63500" h="63500" prst="artDeco"/>
-            <a:contourClr>
-              <a:srgbClr val="FFFFFF"/>
-            </a:contourClr>
-          </a:sp3d>
+          <a:effectLst/>
         </p:spPr>
         <p:txBody>
-          <a:bodyPr vert="horz" lIns="91440" tIns="45720" rIns="91440" bIns="45720" rtlCol="0">
-            <a:noAutofit/>
+          <a:bodyPr wrap="square" rtlCol="0" anchor="ctr">
+            <a:spAutoFit/>
           </a:bodyPr>
           <a:lstStyle/>
           <a:p>
-            <a:pPr marL="285750" indent="-228600" algn="l" defTabSz="914400">
+            <a:pPr marL="342900" indent="-285750" algn="l" defTabSz="914400">
               <a:lnSpc>
                 <a:spcPct val="90000"/>
               </a:lnSpc>
+              <a:buFont typeface="Arial" panose="020B0604020202020204" pitchFamily="34" charset="0"/>
+              <a:buChar char="•"/>
             </a:pPr>
             <a:r>
               <a:rPr lang="en-US" sz="1800" b="1" dirty="0">
                 <a:solidFill>
-                  <a:srgbClr val="27E527"/>
+                  <a:schemeClr val="bg1"/>
                 </a:solidFill>
-                <a:highlight>
-                  <a:srgbClr val="000000"/>
-                </a:highlight>
                 <a:latin typeface="Century Gothic" panose="020B0502020202020204" pitchFamily="34" charset="0"/>
               </a:rPr>
               <a:t>The larger share of sentiments were directed to the Apple Products, pointing to the fact that the brand was more dominant compared to google products</a:t>
             </a:r>
             <a:endParaRPr lang="en-US" sz="1800" b="1" dirty="0">
               <a:solidFill>
-                <a:srgbClr val="27E527"/>
+                <a:schemeClr val="bg1"/>
               </a:solidFill>
               <a:effectLst>
                 <a:outerShdw blurRad="38100" dist="38100" dir="2700000" algn="tl">
@@ -32602,21 +32601,20 @@
                   </a:srgbClr>
                 </a:outerShdw>
               </a:effectLst>
-              <a:highlight>
-                <a:srgbClr val="000000"/>
-              </a:highlight>
               <a:latin typeface="Century Gothic" panose="020B0502020202020204" pitchFamily="34" charset="0"/>
             </a:endParaRPr>
           </a:p>
           <a:p>
-            <a:pPr marL="285750" indent="-228600" algn="l" defTabSz="914400">
+            <a:pPr marL="342900" indent="-285750" algn="l" defTabSz="914400">
               <a:lnSpc>
                 <a:spcPct val="90000"/>
               </a:lnSpc>
+              <a:buFont typeface="Arial" panose="020B0604020202020204" pitchFamily="34" charset="0"/>
+              <a:buChar char="•"/>
             </a:pPr>
             <a:endParaRPr lang="en-US" sz="1800" b="1" dirty="0">
               <a:solidFill>
-                <a:srgbClr val="27E527"/>
+                <a:schemeClr val="bg1"/>
               </a:solidFill>
               <a:effectLst>
                 <a:outerShdw blurRad="38100" dist="38100" dir="2700000" algn="tl">
@@ -32625,40 +32623,38 @@
                   </a:srgbClr>
                 </a:outerShdw>
               </a:effectLst>
-              <a:highlight>
-                <a:srgbClr val="000000"/>
-              </a:highlight>
               <a:latin typeface="Century Gothic" panose="020B0502020202020204" pitchFamily="34" charset="0"/>
             </a:endParaRPr>
           </a:p>
           <a:p>
-            <a:pPr marL="285750" indent="-228600" algn="l" defTabSz="914400">
+            <a:pPr marL="342900" indent="-285750" algn="l" defTabSz="914400">
               <a:lnSpc>
                 <a:spcPct val="90000"/>
               </a:lnSpc>
+              <a:buFont typeface="Arial" panose="020B0604020202020204" pitchFamily="34" charset="0"/>
+              <a:buChar char="•"/>
             </a:pPr>
             <a:r>
               <a:rPr lang="en-US" sz="1800" b="1" dirty="0">
                 <a:solidFill>
-                  <a:srgbClr val="27E527"/>
+                  <a:schemeClr val="bg1"/>
                 </a:solidFill>
-                <a:highlight>
-                  <a:srgbClr val="000000"/>
-                </a:highlight>
                 <a:latin typeface="Century Gothic" panose="020B0502020202020204" pitchFamily="34" charset="0"/>
               </a:rPr>
               <a:t>Neutral sentiments towards the products was higher compared to the positive and negative sentiments</a:t>
             </a:r>
           </a:p>
           <a:p>
-            <a:pPr marL="285750" indent="-228600" algn="l" defTabSz="914400">
+            <a:pPr marL="342900" indent="-285750" algn="l" defTabSz="914400">
               <a:lnSpc>
                 <a:spcPct val="90000"/>
               </a:lnSpc>
+              <a:buFont typeface="Arial" panose="020B0604020202020204" pitchFamily="34" charset="0"/>
+              <a:buChar char="•"/>
             </a:pPr>
             <a:endParaRPr lang="en-US" sz="1800" b="1" dirty="0">
               <a:solidFill>
-                <a:srgbClr val="27E527"/>
+                <a:schemeClr val="bg1"/>
               </a:solidFill>
               <a:effectLst>
                 <a:outerShdw blurRad="38100" dist="38100" dir="2700000" algn="tl">
@@ -32667,33 +32663,29 @@
                   </a:srgbClr>
                 </a:outerShdw>
               </a:effectLst>
-              <a:highlight>
-                <a:srgbClr val="000000"/>
-              </a:highlight>
               <a:latin typeface="Century Gothic" panose="020B0502020202020204" pitchFamily="34" charset="0"/>
             </a:endParaRPr>
           </a:p>
           <a:p>
-            <a:pPr marL="285750" indent="-228600" algn="l" defTabSz="914400">
+            <a:pPr marL="342900" indent="-285750" algn="l" defTabSz="914400">
               <a:lnSpc>
                 <a:spcPct val="90000"/>
               </a:lnSpc>
+              <a:buFont typeface="Arial" panose="020B0604020202020204" pitchFamily="34" charset="0"/>
+              <a:buChar char="•"/>
             </a:pPr>
             <a:r>
               <a:rPr lang="en-US" sz="1800" b="1" dirty="0">
                 <a:solidFill>
-                  <a:srgbClr val="27E527"/>
+                  <a:schemeClr val="bg1"/>
                 </a:solidFill>
-                <a:highlight>
-                  <a:srgbClr val="000000"/>
-                </a:highlight>
                 <a:latin typeface="Century Gothic" panose="020B0502020202020204" pitchFamily="34" charset="0"/>
               </a:rPr>
-              <a:t>By investigating recurring topics associated with positive and negative sentiments using a word cloud for each sentiment, we gained valuable insights into the prevailing themes that influence public perception of Google and Apple</a:t>
+              <a:t>By investigating recurring topics associated with positive and negative sentiments using a word cloud for each sentiment, we gained valuable insights into the prevailing themes that influence public perception of Google and Apple.</a:t>
             </a:r>
             <a:endParaRPr lang="en-US" sz="1800" b="1" dirty="0">
               <a:solidFill>
-                <a:srgbClr val="27E527"/>
+                <a:schemeClr val="bg1"/>
               </a:solidFill>
               <a:effectLst>
                 <a:outerShdw blurRad="38100" dist="38100" dir="2700000" algn="tl">
@@ -32702,9 +32694,6 @@
                   </a:srgbClr>
                 </a:outerShdw>
               </a:effectLst>
-              <a:highlight>
-                <a:srgbClr val="000000"/>
-              </a:highlight>
               <a:latin typeface="Century Gothic" panose="020B0502020202020204" pitchFamily="34" charset="0"/>
             </a:endParaRPr>
           </a:p>
@@ -32767,23 +32756,19 @@
             <a:r>
               <a:rPr lang="en-GB" sz="3000" b="1" dirty="0">
                 <a:solidFill>
-                  <a:srgbClr val="27E527"/>
+                  <a:srgbClr val="003300"/>
                 </a:solidFill>
-                <a:highlight>
-                  <a:srgbClr val="000000"/>
-                </a:highlight>
-                <a:latin typeface="Century Gothic" panose="020B0502020202020204" pitchFamily="34" charset="0"/>
+                <a:latin typeface="Arial" panose="020B0604020202020204" pitchFamily="34" charset="0"/>
+                <a:cs typeface="Arial" panose="020B0604020202020204" pitchFamily="34" charset="0"/>
               </a:rPr>
               <a:t>RECOMMENDATIONS</a:t>
             </a:r>
             <a:endParaRPr lang="en-KE" sz="3000" dirty="0">
               <a:solidFill>
-                <a:srgbClr val="27E527"/>
+                <a:srgbClr val="003300"/>
               </a:solidFill>
-              <a:highlight>
-                <a:srgbClr val="000000"/>
-              </a:highlight>
-              <a:latin typeface="Century Gothic" panose="020B0502020202020204" pitchFamily="34" charset="0"/>
+              <a:latin typeface="Arial" panose="020B0604020202020204" pitchFamily="34" charset="0"/>
+              <a:cs typeface="Arial" panose="020B0604020202020204" pitchFamily="34" charset="0"/>
             </a:endParaRPr>
           </a:p>
         </p:txBody>
@@ -32804,7 +32789,7 @@
             <p:ph sz="half" idx="2"/>
             <p:extLst>
               <p:ext uri="{D42A27DB-BD31-4B8C-83A1-F6EECF244321}">
-                <p14:modId xmlns:p14="http://schemas.microsoft.com/office/powerpoint/2010/main" val="376937606"/>
+                <p14:modId xmlns:p14="http://schemas.microsoft.com/office/powerpoint/2010/main" val="2548814542"/>
               </p:ext>
             </p:extLst>
           </p:nvPr>
@@ -32907,23 +32892,19 @@
             <a:r>
               <a:rPr lang="en-US" sz="3000" b="1" dirty="0">
                 <a:solidFill>
-                  <a:srgbClr val="27E527"/>
+                  <a:srgbClr val="003300"/>
                 </a:solidFill>
-                <a:highlight>
-                  <a:srgbClr val="000000"/>
-                </a:highlight>
-                <a:latin typeface="Century Gothic" panose="020B0502020202020204" pitchFamily="34" charset="0"/>
+                <a:latin typeface="Arial" panose="020B0604020202020204" pitchFamily="34" charset="0"/>
+                <a:cs typeface="Arial" panose="020B0604020202020204" pitchFamily="34" charset="0"/>
               </a:rPr>
               <a:t>NEXT STEPS</a:t>
             </a:r>
             <a:endParaRPr lang="en-KE" sz="3000" b="1" dirty="0">
               <a:solidFill>
-                <a:srgbClr val="27E527"/>
+                <a:srgbClr val="003300"/>
               </a:solidFill>
-              <a:highlight>
-                <a:srgbClr val="000000"/>
-              </a:highlight>
-              <a:latin typeface="Century Gothic" panose="020B0502020202020204" pitchFamily="34" charset="0"/>
+              <a:latin typeface="Arial" panose="020B0604020202020204" pitchFamily="34" charset="0"/>
+              <a:cs typeface="Arial" panose="020B0604020202020204" pitchFamily="34" charset="0"/>
             </a:endParaRPr>
           </a:p>
         </p:txBody>
@@ -32985,23 +32966,19 @@
             <a:r>
               <a:rPr lang="en-US" sz="3000" b="1" dirty="0">
                 <a:solidFill>
-                  <a:srgbClr val="27E527"/>
+                  <a:srgbClr val="003300"/>
                 </a:solidFill>
-                <a:highlight>
-                  <a:srgbClr val="000000"/>
-                </a:highlight>
-                <a:latin typeface="Century Gothic" panose="020B0502020202020204" pitchFamily="34" charset="0"/>
+                <a:latin typeface="Arial" panose="020B0604020202020204" pitchFamily="34" charset="0"/>
+                <a:cs typeface="Arial" panose="020B0604020202020204" pitchFamily="34" charset="0"/>
               </a:rPr>
               <a:t>APPRECIATION</a:t>
             </a:r>
             <a:endParaRPr lang="en-KE" sz="3000" b="1" dirty="0">
               <a:solidFill>
-                <a:srgbClr val="27E527"/>
+                <a:srgbClr val="003300"/>
               </a:solidFill>
-              <a:highlight>
-                <a:srgbClr val="000000"/>
-              </a:highlight>
-              <a:latin typeface="Century Gothic" panose="020B0502020202020204" pitchFamily="34" charset="0"/>
+              <a:latin typeface="Arial" panose="020B0604020202020204" pitchFamily="34" charset="0"/>
+              <a:cs typeface="Arial" panose="020B0604020202020204" pitchFamily="34" charset="0"/>
             </a:endParaRPr>
           </a:p>
         </p:txBody>
@@ -33239,10 +33216,8 @@
                     </a:srgbClr>
                   </a:outerShdw>
                 </a:effectLst>
-                <a:highlight>
-                  <a:srgbClr val="000000"/>
-                </a:highlight>
-                <a:latin typeface="Century Gothic" panose="020B0502020202020204" pitchFamily="34" charset="0"/>
+                <a:latin typeface="Arial" panose="020B0604020202020204" pitchFamily="34" charset="0"/>
+                <a:cs typeface="Arial" panose="020B0604020202020204" pitchFamily="34" charset="0"/>
               </a:rPr>
               <a:t>OUTLINE</a:t>
             </a:r>
@@ -33358,12 +33333,10 @@
             <a:r>
               <a:rPr lang="en-US" sz="3000" b="1" dirty="0">
                 <a:solidFill>
-                  <a:srgbClr val="27E527"/>
+                  <a:srgbClr val="003300"/>
                 </a:solidFill>
-                <a:highlight>
-                  <a:srgbClr val="000000"/>
-                </a:highlight>
-                <a:latin typeface="Century Gothic" panose="020B0502020202020204" pitchFamily="34" charset="0"/>
+                <a:latin typeface="Arial" panose="020B0604020202020204" pitchFamily="34" charset="0"/>
+                <a:cs typeface="Arial" panose="020B0604020202020204" pitchFamily="34" charset="0"/>
               </a:rPr>
               <a:t>OVERVIEW</a:t>
             </a:r>
@@ -33619,9 +33592,6 @@
                 <a:solidFill>
                   <a:srgbClr val="66FF99"/>
                 </a:solidFill>
-                <a:highlight>
-                  <a:srgbClr val="000000"/>
-                </a:highlight>
                 <a:latin typeface="Century Gothic" panose="020B0502020202020204" pitchFamily="34" charset="0"/>
               </a:rPr>
               <a:t>OBJECTIVES</a:t>
@@ -33707,36 +33677,33 @@
         </p:nvSpPr>
         <p:spPr>
           <a:xfrm>
-            <a:off x="457201" y="317700"/>
-            <a:ext cx="8229599" cy="763525"/>
+            <a:off x="1976015" y="317700"/>
+            <a:ext cx="6710785" cy="763525"/>
           </a:xfrm>
         </p:spPr>
         <p:txBody>
           <a:bodyPr>
-            <a:normAutofit/>
+            <a:noAutofit/>
           </a:bodyPr>
           <a:lstStyle/>
           <a:p>
             <a:pPr algn="ctr"/>
             <a:r>
-              <a:rPr lang="en-GB" sz="3000" b="1" dirty="0">
+              <a:rPr lang="en-GB" sz="2400" b="1" dirty="0">
                 <a:solidFill>
-                  <a:srgbClr val="27E527"/>
+                  <a:srgbClr val="003300"/>
                 </a:solidFill>
-                <a:highlight>
-                  <a:srgbClr val="000000"/>
-                </a:highlight>
-                <a:latin typeface="Century Gothic" panose="020B0502020202020204" pitchFamily="34" charset="0"/>
+                <a:latin typeface="Arial" panose="020B0604020202020204" pitchFamily="34" charset="0"/>
+                <a:cs typeface="Arial" panose="020B0604020202020204" pitchFamily="34" charset="0"/>
               </a:rPr>
               <a:t>DATA UNDERSTANDING &amp; PREPARATION</a:t>
             </a:r>
-            <a:endParaRPr lang="en-KE" sz="3000" dirty="0">
+            <a:endParaRPr lang="en-KE" sz="2400" dirty="0">
               <a:solidFill>
-                <a:srgbClr val="27E527"/>
+                <a:srgbClr val="003300"/>
               </a:solidFill>
-              <a:highlight>
-                <a:srgbClr val="000000"/>
-              </a:highlight>
+              <a:latin typeface="Arial" panose="020B0604020202020204" pitchFamily="34" charset="0"/>
+              <a:cs typeface="Arial" panose="020B0604020202020204" pitchFamily="34" charset="0"/>
             </a:endParaRPr>
           </a:p>
         </p:txBody>
@@ -33932,36 +33899,35 @@
         </p:nvSpPr>
         <p:spPr>
           <a:xfrm>
-            <a:off x="457201" y="586585"/>
-            <a:ext cx="8304205" cy="610820"/>
+            <a:off x="1976015" y="586585"/>
+            <a:ext cx="6785391" cy="610820"/>
           </a:xfrm>
         </p:spPr>
         <p:txBody>
           <a:bodyPr>
-            <a:normAutofit fontScale="90000"/>
+            <a:noAutofit/>
           </a:bodyPr>
           <a:lstStyle/>
           <a:p>
             <a:pPr algn="ctr"/>
             <a:r>
-              <a:rPr lang="en-US" sz="3300" b="1" dirty="0">
+              <a:rPr lang="en-US" sz="2400" b="1" dirty="0">
                 <a:solidFill>
-                  <a:srgbClr val="27E527"/>
+                  <a:srgbClr val="003300"/>
                 </a:solidFill>
                 <a:effectLst/>
-                <a:highlight>
-                  <a:srgbClr val="000000"/>
-                </a:highlight>
-                <a:latin typeface="Century Gothic" panose="020B0502020202020204" pitchFamily="34" charset="0"/>
+                <a:latin typeface="Arial" panose="020B0604020202020204" pitchFamily="34" charset="0"/>
+                <a:cs typeface="Arial" panose="020B0604020202020204" pitchFamily="34" charset="0"/>
               </a:rPr>
               <a:t>SENTIMENT COUNT FOR EACH PRODUCT</a:t>
             </a:r>
-            <a:br>
-              <a:rPr lang="en-US" dirty="0">
-                <a:effectLst/>
-              </a:rPr>
-            </a:br>
-            <a:endParaRPr lang="en-KE" dirty="0"/>
+            <a:endParaRPr lang="en-KE" sz="2400" dirty="0">
+              <a:solidFill>
+                <a:srgbClr val="003300"/>
+              </a:solidFill>
+              <a:latin typeface="Arial" panose="020B0604020202020204" pitchFamily="34" charset="0"/>
+              <a:cs typeface="Arial" panose="020B0604020202020204" pitchFamily="34" charset="0"/>
+            </a:endParaRPr>
           </a:p>
         </p:txBody>
       </p:sp>
@@ -34137,23 +34103,19 @@
             <a:r>
               <a:rPr lang="en-US" sz="3000" b="1" dirty="0">
                 <a:solidFill>
-                  <a:srgbClr val="27E527"/>
+                  <a:srgbClr val="003300"/>
                 </a:solidFill>
-                <a:highlight>
-                  <a:srgbClr val="000000"/>
-                </a:highlight>
-                <a:latin typeface="Century Gothic" panose="020B0502020202020204" pitchFamily="34" charset="0"/>
+                <a:latin typeface="Arial" panose="020B0604020202020204" pitchFamily="34" charset="0"/>
+                <a:cs typeface="Arial" panose="020B0604020202020204" pitchFamily="34" charset="0"/>
               </a:rPr>
               <a:t>WORD FREQUENCY</a:t>
             </a:r>
             <a:endParaRPr lang="en-KE" sz="3000" b="1" dirty="0">
               <a:solidFill>
-                <a:srgbClr val="27E527"/>
+                <a:srgbClr val="003300"/>
               </a:solidFill>
-              <a:highlight>
-                <a:srgbClr val="000000"/>
-              </a:highlight>
-              <a:latin typeface="Century Gothic" panose="020B0502020202020204" pitchFamily="34" charset="0"/>
+              <a:latin typeface="Arial" panose="020B0604020202020204" pitchFamily="34" charset="0"/>
+              <a:cs typeface="Arial" panose="020B0604020202020204" pitchFamily="34" charset="0"/>
             </a:endParaRPr>
           </a:p>
         </p:txBody>
@@ -34296,23 +34258,19 @@
             <a:r>
               <a:rPr lang="en-US" sz="3000" b="1" dirty="0">
                 <a:solidFill>
-                  <a:srgbClr val="27E527"/>
+                  <a:srgbClr val="003300"/>
                 </a:solidFill>
-                <a:highlight>
-                  <a:srgbClr val="000000"/>
-                </a:highlight>
-                <a:latin typeface="Century Gothic" panose="020B0502020202020204" pitchFamily="34" charset="0"/>
+                <a:latin typeface="Arial" panose="020B0604020202020204" pitchFamily="34" charset="0"/>
+                <a:cs typeface="Arial" panose="020B0604020202020204" pitchFamily="34" charset="0"/>
               </a:rPr>
               <a:t>MODELLING</a:t>
             </a:r>
             <a:endParaRPr lang="en-KE" sz="3000" b="1" dirty="0">
               <a:solidFill>
-                <a:srgbClr val="27E527"/>
+                <a:srgbClr val="003300"/>
               </a:solidFill>
-              <a:highlight>
-                <a:srgbClr val="000000"/>
-              </a:highlight>
-              <a:latin typeface="Century Gothic" panose="020B0502020202020204" pitchFamily="34" charset="0"/>
+              <a:latin typeface="Arial" panose="020B0604020202020204" pitchFamily="34" charset="0"/>
+              <a:cs typeface="Arial" panose="020B0604020202020204" pitchFamily="34" charset="0"/>
             </a:endParaRPr>
           </a:p>
         </p:txBody>
@@ -34502,7 +34460,7 @@
                 <a:rPr lang="en-US" sz="1600" b="1" dirty="0">
                   <a:latin typeface="Century Gothic" panose="020B0502020202020204" pitchFamily="34" charset="0"/>
                 </a:rPr>
-                <a:t>NLP Model</a:t>
+                <a:t>NLP-SVC Model</a:t>
               </a:r>
             </a:p>
             <a:p>
@@ -34586,33 +34544,47 @@
             <a:r>
               <a:rPr lang="en-GB" sz="3000" b="1" dirty="0">
                 <a:solidFill>
-                  <a:srgbClr val="27E527"/>
+                  <a:srgbClr val="003300"/>
                 </a:solidFill>
-                <a:highlight>
-                  <a:srgbClr val="000000"/>
-                </a:highlight>
-                <a:latin typeface="Century Gothic" panose="020B0502020202020204" pitchFamily="34" charset="0"/>
+                <a:latin typeface="Arial" panose="020B0604020202020204" pitchFamily="34" charset="0"/>
+                <a:cs typeface="Arial" panose="020B0604020202020204" pitchFamily="34" charset="0"/>
               </a:rPr>
-              <a:t>Winning model: NLP Model with Grid Search CV</a:t>
+              <a:t>Winning Model: </a:t>
             </a:r>
             <a:br>
               <a:rPr lang="en-GB" sz="3000" b="1" dirty="0">
                 <a:solidFill>
-                  <a:srgbClr val="27E527"/>
+                  <a:srgbClr val="003300"/>
                 </a:solidFill>
-                <a:highlight>
-                  <a:srgbClr val="000000"/>
-                </a:highlight>
-                <a:latin typeface="Century Gothic" panose="020B0502020202020204" pitchFamily="34" charset="0"/>
+                <a:latin typeface="Arial" panose="020B0604020202020204" pitchFamily="34" charset="0"/>
+                <a:cs typeface="Arial" panose="020B0604020202020204" pitchFamily="34" charset="0"/>
+              </a:rPr>
+            </a:br>
+            <a:r>
+              <a:rPr lang="en-GB" sz="3000" b="1" dirty="0">
+                <a:solidFill>
+                  <a:srgbClr val="003300"/>
+                </a:solidFill>
+                <a:latin typeface="Arial" panose="020B0604020202020204" pitchFamily="34" charset="0"/>
+                <a:cs typeface="Arial" panose="020B0604020202020204" pitchFamily="34" charset="0"/>
+              </a:rPr>
+              <a:t>NLP Model with Grid Search CV</a:t>
+            </a:r>
+            <a:br>
+              <a:rPr lang="en-GB" sz="3000" b="1" dirty="0">
+                <a:solidFill>
+                  <a:srgbClr val="003300"/>
+                </a:solidFill>
+                <a:latin typeface="Arial" panose="020B0604020202020204" pitchFamily="34" charset="0"/>
+                <a:cs typeface="Arial" panose="020B0604020202020204" pitchFamily="34" charset="0"/>
               </a:rPr>
             </a:br>
             <a:endParaRPr lang="en-KE" sz="3000" dirty="0">
               <a:solidFill>
-                <a:srgbClr val="27E527"/>
+                <a:srgbClr val="003300"/>
               </a:solidFill>
-              <a:highlight>
-                <a:srgbClr val="000000"/>
-              </a:highlight>
+              <a:latin typeface="Arial" panose="020B0604020202020204" pitchFamily="34" charset="0"/>
+              <a:cs typeface="Arial" panose="020B0604020202020204" pitchFamily="34" charset="0"/>
             </a:endParaRPr>
           </a:p>
         </p:txBody>
@@ -34633,7 +34605,7 @@
             <p:ph sz="half" idx="2"/>
             <p:extLst>
               <p:ext uri="{D42A27DB-BD31-4B8C-83A1-F6EECF244321}">
-                <p14:modId xmlns:p14="http://schemas.microsoft.com/office/powerpoint/2010/main" val="4010378372"/>
+                <p14:modId xmlns:p14="http://schemas.microsoft.com/office/powerpoint/2010/main" val="2454443239"/>
               </p:ext>
             </p:extLst>
           </p:nvPr>
